--- a/lab/Lab 1 Design Review.pptx
+++ b/lab/Lab 1 Design Review.pptx
@@ -4121,7 +4121,7 @@
         </p:nvSpPr>
         <p:spPr>
           <a:xfrm>
-            <a:off x="1336876" y="500606"/>
+            <a:off x="1186404" y="141790"/>
             <a:ext cx="9601200" cy="1485900"/>
           </a:xfrm>
         </p:spPr>
@@ -4163,7 +4163,7 @@
         </p:nvSpPr>
         <p:spPr>
           <a:xfrm>
-            <a:off x="1186404" y="1836035"/>
+            <a:off x="1186404" y="1384623"/>
             <a:ext cx="10820401" cy="4114799"/>
           </a:xfrm>
         </p:spPr>
@@ -4206,11 +4206,7 @@
             <a:pPr lvl="1"/>
             <a:r>
               <a:rPr lang="zh-CN" altLang="en-US" sz="3600" i="0" dirty="0" smtClean="0"/>
-              <a:t>三个</a:t>
-            </a:r>
-            <a:r>
-              <a:rPr lang="zh-CN" altLang="en-US" sz="3600" i="0" dirty="0" smtClean="0"/>
-              <a:t>参数</a:t>
+              <a:t>三个参数</a:t>
             </a:r>
             <a:endParaRPr lang="en-US" altLang="zh-CN" sz="3600" i="0" dirty="0" smtClean="0"/>
           </a:p>
@@ -4272,6 +4268,10 @@
             <a:r>
               <a:rPr lang="en-US" altLang="zh-CN" sz="3200" dirty="0" smtClean="0"/>
               <a:t>	</a:t>
+            </a:r>
+            <a:r>
+              <a:rPr lang="zh-CN" altLang="en-US" sz="3200" dirty="0" smtClean="0"/>
+              <a:t>默认</a:t>
             </a:r>
             <a:r>
               <a:rPr lang="en-US" altLang="zh-CN" sz="3200" dirty="0" smtClean="0">
@@ -4280,15 +4280,26 @@
               </a:rPr>
               <a:t>0xa0800200</a:t>
             </a:r>
+            <a:endParaRPr lang="en-US" altLang="zh-CN" sz="3200" dirty="0" smtClean="0">
+              <a:latin typeface="Courier New" panose="02070309020205020404" pitchFamily="49" charset="0"/>
+              <a:cs typeface="Courier New" panose="02070309020205020404" pitchFamily="49" charset="0"/>
+            </a:endParaRPr>
           </a:p>
           <a:p>
             <a:pPr lvl="3"/>
+            <a:r>
+              <a:rPr lang="zh-CN" altLang="en-US" sz="3200" i="0" smtClean="0">
+                <a:latin typeface="Courier New" panose="02070309020205020404" pitchFamily="49" charset="0"/>
+                <a:cs typeface="Courier New" panose="02070309020205020404" pitchFamily="49" charset="0"/>
+              </a:rPr>
+              <a:t>可能原因</a:t>
+            </a:r>
             <a:r>
               <a:rPr lang="zh-CN" altLang="en-US" sz="3200" i="0" dirty="0" smtClean="0">
                 <a:latin typeface="Courier New" panose="02070309020205020404" pitchFamily="49" charset="0"/>
                 <a:cs typeface="Courier New" panose="02070309020205020404" pitchFamily="49" charset="0"/>
               </a:rPr>
-              <a:t>原因：</a:t>
+              <a:t>：</a:t>
             </a:r>
             <a:r>
               <a:rPr lang="en-US" altLang="zh-CN" sz="3200" i="0" dirty="0" err="1" smtClean="0">
@@ -4317,6 +4328,30 @@
                 <a:cs typeface="Courier New" panose="02070309020205020404" pitchFamily="49" charset="0"/>
               </a:rPr>
               <a:t>字节</a:t>
+            </a:r>
+          </a:p>
+          <a:p>
+            <a:pPr lvl="3"/>
+            <a:r>
+              <a:rPr lang="zh-CN" altLang="en-US" sz="3200" i="0" dirty="0" smtClean="0">
+                <a:latin typeface="Courier New" panose="02070309020205020404" pitchFamily="49" charset="0"/>
+                <a:cs typeface="Courier New" panose="02070309020205020404" pitchFamily="49" charset="0"/>
+              </a:rPr>
+              <a:t>其实是可以自己改的（见</a:t>
+            </a:r>
+            <a:r>
+              <a:rPr lang="en-US" altLang="zh-CN" sz="3200" i="0" dirty="0" err="1" smtClean="0">
+                <a:latin typeface="Courier New" panose="02070309020205020404" pitchFamily="49" charset="0"/>
+                <a:cs typeface="Courier New" panose="02070309020205020404" pitchFamily="49" charset="0"/>
+              </a:rPr>
+              <a:t>Makefile</a:t>
+            </a:r>
+            <a:r>
+              <a:rPr lang="zh-CN" altLang="en-US" sz="3200" i="0" dirty="0" smtClean="0">
+                <a:latin typeface="Courier New" panose="02070309020205020404" pitchFamily="49" charset="0"/>
+                <a:cs typeface="Courier New" panose="02070309020205020404" pitchFamily="49" charset="0"/>
+              </a:rPr>
+              <a:t>）</a:t>
             </a:r>
             <a:endParaRPr lang="zh-CN" altLang="en-US" sz="3200" i="0" dirty="0">
               <a:latin typeface="Courier New" panose="02070309020205020404" pitchFamily="49" charset="0"/>
@@ -4654,15 +4689,7 @@
             </a:pPr>
             <a:r>
               <a:rPr lang="en-US" altLang="zh-CN" sz="4400" dirty="0" smtClean="0"/>
-              <a:t>/    </a:t>
-            </a:r>
-            <a:r>
-              <a:rPr lang="en-US" altLang="zh-CN" sz="4400" dirty="0" smtClean="0"/>
-              <a:t>   </a:t>
-            </a:r>
-            <a:r>
-              <a:rPr lang="en-US" altLang="zh-CN" sz="4400" dirty="0" smtClean="0"/>
-              <a:t>\   </a:t>
+              <a:t>/       \   </a:t>
             </a:r>
           </a:p>
           <a:p>
@@ -4674,7 +4701,14 @@
                 <a:latin typeface="Courier New" panose="02070309020205020404" pitchFamily="49" charset="0"/>
                 <a:cs typeface="Courier New" panose="02070309020205020404" pitchFamily="49" charset="0"/>
               </a:rPr>
-              <a:t>  </a:t>
+              <a:t>   </a:t>
+            </a:r>
+            <a:r>
+              <a:rPr lang="en-US" altLang="zh-CN" sz="4400" dirty="0" err="1" smtClean="0">
+                <a:latin typeface="Courier New" panose="02070309020205020404" pitchFamily="49" charset="0"/>
+                <a:cs typeface="Courier New" panose="02070309020205020404" pitchFamily="49" charset="0"/>
+              </a:rPr>
+              <a:t>bblk</a:t>
             </a:r>
             <a:r>
               <a:rPr lang="en-US" altLang="zh-CN" sz="4400" dirty="0" smtClean="0">
@@ -4684,20 +4718,6 @@
               <a:t> </a:t>
             </a:r>
             <a:r>
-              <a:rPr lang="en-US" altLang="zh-CN" sz="4400" dirty="0" err="1" smtClean="0">
-                <a:latin typeface="Courier New" panose="02070309020205020404" pitchFamily="49" charset="0"/>
-                <a:cs typeface="Courier New" panose="02070309020205020404" pitchFamily="49" charset="0"/>
-              </a:rPr>
-              <a:t>bblk</a:t>
-            </a:r>
-            <a:r>
-              <a:rPr lang="en-US" altLang="zh-CN" sz="4400" dirty="0" smtClean="0">
-                <a:latin typeface="Courier New" panose="02070309020205020404" pitchFamily="49" charset="0"/>
-                <a:cs typeface="Courier New" panose="02070309020205020404" pitchFamily="49" charset="0"/>
-              </a:rPr>
-              <a:t> </a:t>
-            </a:r>
-            <a:r>
               <a:rPr lang="en-US" altLang="zh-CN" sz="4400" dirty="0" smtClean="0"/>
               <a:t>+</a:t>
             </a:r>
@@ -4708,10 +4728,6 @@
               </a:rPr>
               <a:t> kernel  </a:t>
             </a:r>
-            <a:endParaRPr lang="en-US" altLang="zh-CN" sz="4400" dirty="0" smtClean="0">
-              <a:latin typeface="Courier New" panose="02070309020205020404" pitchFamily="49" charset="0"/>
-              <a:cs typeface="Courier New" panose="02070309020205020404" pitchFamily="49" charset="0"/>
-            </a:endParaRPr>
           </a:p>
           <a:p>
             <a:pPr marL="0" indent="0" algn="ctr">
@@ -4719,11 +4735,7 @@
             </a:pPr>
             <a:r>
               <a:rPr lang="en-US" altLang="zh-CN" sz="4400" dirty="0" smtClean="0"/>
-              <a:t>    512              </a:t>
-            </a:r>
-            <a:r>
-              <a:rPr lang="en-US" altLang="zh-CN" sz="4400" dirty="0" smtClean="0"/>
-              <a:t>512   </a:t>
+              <a:t>    512              512   </a:t>
             </a:r>
             <a:endParaRPr lang="zh-CN" altLang="en-US" sz="3500" dirty="0"/>
           </a:p>
@@ -4843,15 +4855,7 @@
           <a:p>
             <a:r>
               <a:rPr lang="en-US" altLang="zh-CN" sz="3600" dirty="0" smtClean="0"/>
-              <a:t>read </a:t>
-            </a:r>
-            <a:r>
-              <a:rPr lang="en-US" altLang="zh-CN" sz="3600" dirty="0" smtClean="0"/>
-              <a:t>each program </a:t>
-            </a:r>
-            <a:r>
-              <a:rPr lang="en-US" altLang="zh-CN" sz="3600" dirty="0" smtClean="0"/>
-              <a:t>header</a:t>
+              <a:t>read each program header</a:t>
             </a:r>
           </a:p>
           <a:p>
@@ -4874,10 +4878,6 @@
               </a:rPr>
               <a:t> == PT_LOAD</a:t>
             </a:r>
-            <a:endParaRPr lang="en-US" altLang="zh-CN" sz="3600" i="0" dirty="0" smtClean="0">
-              <a:latin typeface="Courier New" panose="02070309020205020404" pitchFamily="49" charset="0"/>
-              <a:cs typeface="Courier New" panose="02070309020205020404" pitchFamily="49" charset="0"/>
-            </a:endParaRPr>
           </a:p>
         </p:txBody>
       </p:sp>
@@ -5157,11 +5157,7 @@
             </a:r>
             <a:r>
               <a:rPr lang="zh-CN" altLang="en-US" sz="3600" dirty="0" smtClean="0"/>
-              <a:t>的什么位置</a:t>
-            </a:r>
-            <a:r>
-              <a:rPr lang="zh-CN" altLang="en-US" sz="3600" dirty="0" smtClean="0"/>
-              <a:t>？</a:t>
+              <a:t>的什么位置？</a:t>
             </a:r>
             <a:endParaRPr lang="en-US" altLang="zh-CN" sz="2800" dirty="0" smtClean="0"/>
           </a:p>
@@ -5220,7 +5216,6 @@
               <a:rPr lang="en-US" altLang="zh-CN" sz="3200" dirty="0" smtClean="0"/>
               <a:t> segment. One then obtains the base address by truncating the memory address to the nearest multiple of the maximum page size.”</a:t>
             </a:r>
-            <a:endParaRPr lang="en-US" altLang="zh-CN" sz="3200" dirty="0" smtClean="0"/>
           </a:p>
         </p:txBody>
       </p:sp>
@@ -5336,51 +5331,39 @@
               <a:rPr lang="en-US" altLang="zh-CN" sz="4000" dirty="0" smtClean="0"/>
               <a:t>padding</a:t>
             </a:r>
-            <a:endParaRPr lang="en-US" altLang="zh-CN" sz="4000" dirty="0"/>
           </a:p>
           <a:p>
             <a:pPr lvl="1"/>
             <a:r>
-              <a:rPr lang="en-US" altLang="zh-CN" sz="3200" dirty="0"/>
-              <a:t>m</a:t>
+              <a:rPr lang="en-US" altLang="zh-CN" sz="3200" smtClean="0"/>
+              <a:t>force </a:t>
             </a:r>
             <a:r>
               <a:rPr lang="en-US" altLang="zh-CN" sz="3200" dirty="0" smtClean="0"/>
-              <a:t>emory alignment</a:t>
-            </a:r>
-          </a:p>
-          <a:p>
-            <a:pPr lvl="1"/>
-            <a:r>
-              <a:rPr lang="en-US" altLang="zh-CN" sz="3200" dirty="0" smtClean="0"/>
-              <a:t>force </a:t>
-            </a:r>
-            <a:r>
-              <a:rPr lang="en-US" altLang="zh-CN" sz="3200" dirty="0"/>
               <a:t>padding by writing </a:t>
             </a:r>
             <a:r>
-              <a:rPr lang="en-US" altLang="zh-CN" sz="3200" i="0" dirty="0" err="1">
+              <a:rPr lang="en-US" altLang="zh-CN" sz="3200" i="0" dirty="0" err="1" smtClean="0">
                 <a:latin typeface="Courier New" panose="02070309020205020404" pitchFamily="49" charset="0"/>
                 <a:cs typeface="Courier New" panose="02070309020205020404" pitchFamily="49" charset="0"/>
               </a:rPr>
               <a:t>p_memsz</a:t>
             </a:r>
             <a:r>
-              <a:rPr lang="en-US" altLang="zh-CN" sz="3200" i="0" dirty="0">
+              <a:rPr lang="en-US" altLang="zh-CN" sz="3200" i="0" dirty="0" smtClean="0">
                 <a:latin typeface="Courier New" panose="02070309020205020404" pitchFamily="49" charset="0"/>
                 <a:cs typeface="Courier New" panose="02070309020205020404" pitchFamily="49" charset="0"/>
               </a:rPr>
               <a:t> &gt; </a:t>
             </a:r>
             <a:r>
-              <a:rPr lang="en-US" altLang="zh-CN" sz="3200" i="0" dirty="0" err="1">
+              <a:rPr lang="en-US" altLang="zh-CN" sz="3200" i="0" dirty="0" err="1" smtClean="0">
                 <a:latin typeface="Courier New" panose="02070309020205020404" pitchFamily="49" charset="0"/>
                 <a:cs typeface="Courier New" panose="02070309020205020404" pitchFamily="49" charset="0"/>
               </a:rPr>
               <a:t>p_filesz</a:t>
             </a:r>
-            <a:endParaRPr lang="en-US" altLang="zh-CN" sz="3200" i="0" dirty="0">
+            <a:endParaRPr lang="en-US" altLang="zh-CN" sz="3200" i="0" dirty="0" smtClean="0">
               <a:latin typeface="Courier New" panose="02070309020205020404" pitchFamily="49" charset="0"/>
               <a:cs typeface="Courier New" panose="02070309020205020404" pitchFamily="49" charset="0"/>
             </a:endParaRPr>
@@ -5388,8 +5371,12 @@
           <a:p>
             <a:pPr lvl="1"/>
             <a:r>
+              <a:rPr lang="en-US" altLang="zh-CN" sz="3200" dirty="0" smtClean="0"/>
+              <a:t>at </a:t>
+            </a:r>
+            <a:r>
               <a:rPr lang="en-US" altLang="zh-CN" sz="3200" dirty="0"/>
-              <a:t>at the end, pad to nearest </a:t>
+              <a:t>the end, pad to nearest </a:t>
             </a:r>
             <a:r>
               <a:rPr lang="en-US" altLang="zh-CN" sz="3200" dirty="0" smtClean="0"/>
